--- a/documentacao/Projeto de Desenvolvimento - CidadOn - 2019.pptx
+++ b/documentacao/Projeto de Desenvolvimento - CidadOn - 2019.pptx
@@ -16,23 +16,23 @@
     <p:sldId id="298" r:id="rId7"/>
     <p:sldId id="306" r:id="rId8"/>
     <p:sldId id="309" r:id="rId9"/>
-    <p:sldId id="310" r:id="rId10"/>
-    <p:sldId id="311" r:id="rId11"/>
+    <p:sldId id="311" r:id="rId10"/>
+    <p:sldId id="310" r:id="rId11"/>
     <p:sldId id="305" r:id="rId12"/>
   </p:sldIdLst>
   <p:sldSz cx="12192000" cy="6858000"/>
   <p:notesSz cx="6858000" cy="9144000"/>
   <p:embeddedFontLst>
     <p:embeddedFont>
-      <p:font typeface="Calibri" panose="020F0502020204030204" pitchFamily="34" charset="0"/>
+      <p:font typeface="Lucida Sans Unicode" panose="020B0602030504020204" pitchFamily="34" charset="0"/>
       <p:regular r:id="rId14"/>
-      <p:bold r:id="rId15"/>
-      <p:italic r:id="rId16"/>
-      <p:boldItalic r:id="rId17"/>
     </p:embeddedFont>
     <p:embeddedFont>
-      <p:font typeface="Lucida Sans Unicode" panose="020B0602030504020204" pitchFamily="34" charset="0"/>
-      <p:regular r:id="rId18"/>
+      <p:font typeface="Calibri" panose="020F0502020204030204" pitchFamily="34" charset="0"/>
+      <p:regular r:id="rId15"/>
+      <p:bold r:id="rId16"/>
+      <p:italic r:id="rId17"/>
+      <p:boldItalic r:id="rId18"/>
     </p:embeddedFont>
   </p:embeddedFontLst>
   <p:defaultTextStyle>
@@ -14490,21 +14490,7 @@
                 <a:latin typeface="Calibri" panose="020F0502020204030204" pitchFamily="34" charset="0"/>
                 <a:cs typeface="Calibri" panose="020F0502020204030204" pitchFamily="34" charset="0"/>
               </a:rPr>
-              <a:t>GABRIEL FIGUEIREDO BEZERRA</a:t>
-            </a:r>
-            <a:r>
-              <a:rPr lang="pt-BR" dirty="0" smtClean="0">
-                <a:latin typeface="Calibri" panose="020F0502020204030204" pitchFamily="34" charset="0"/>
-                <a:cs typeface="Calibri" panose="020F0502020204030204" pitchFamily="34" charset="0"/>
-              </a:rPr>
-              <a:t>, GELIO, </a:t>
-            </a:r>
-            <a:r>
-              <a:rPr lang="pt-BR" dirty="0" smtClean="0">
-                <a:latin typeface="Calibri" panose="020F0502020204030204" pitchFamily="34" charset="0"/>
-                <a:cs typeface="Calibri" panose="020F0502020204030204" pitchFamily="34" charset="0"/>
-              </a:rPr>
-              <a:t>MATEUS DA SILVA COSTA, SALOMÃO MACHADO MAFALDA</a:t>
+              <a:t>GABRIEL FIGUEIREDO BEZERRA, GELIO, MATEUS DA SILVA COSTA, SALOMÃO MACHADO MAFALDA</a:t>
             </a:r>
             <a:r>
               <a:rPr lang="pt-BR" b="0" i="0" u="none" strike="noStrike" cap="none" dirty="0">
@@ -14629,10 +14615,9 @@
           <a:lstStyle/>
           <a:p>
             <a:r>
-              <a:rPr lang="pt-BR" dirty="0" smtClean="0"/>
-              <a:t>CRONOGRAMA</a:t>
+              <a:rPr lang="pt-BR" dirty="0"/>
+              <a:t>TRABALHOS FUTUROS</a:t>
             </a:r>
-            <a:endParaRPr lang="pt-BR" dirty="0"/>
           </a:p>
         </p:txBody>
       </p:sp>
@@ -14656,9 +14641,101 @@
           <a:bodyPr/>
           <a:lstStyle/>
           <a:p>
-            <a:pPr marL="140208" indent="0">
-              <a:buNone/>
-            </a:pPr>
+            <a:r>
+              <a:rPr lang="pt-BR" dirty="0" smtClean="0"/>
+              <a:t>Implementação</a:t>
+            </a:r>
+          </a:p>
+          <a:p>
+            <a:pPr lvl="1"/>
+            <a:r>
+              <a:rPr lang="pt-BR" dirty="0" err="1"/>
+              <a:t>Refatoração</a:t>
+            </a:r>
+            <a:r>
+              <a:rPr lang="pt-BR" dirty="0"/>
+              <a:t> do </a:t>
+            </a:r>
+            <a:r>
+              <a:rPr lang="pt-BR" dirty="0" smtClean="0"/>
+              <a:t>front-</a:t>
+            </a:r>
+            <a:r>
+              <a:rPr lang="pt-BR" dirty="0" err="1" smtClean="0"/>
+              <a:t>end</a:t>
+            </a:r>
+            <a:endParaRPr lang="pt-BR" dirty="0" smtClean="0"/>
+          </a:p>
+          <a:p>
+            <a:pPr lvl="1"/>
+            <a:r>
+              <a:rPr lang="pt-BR" dirty="0" err="1" smtClean="0"/>
+              <a:t>Refatoração</a:t>
+            </a:r>
+            <a:r>
+              <a:rPr lang="pt-BR" dirty="0" smtClean="0"/>
+              <a:t> </a:t>
+            </a:r>
+            <a:r>
+              <a:rPr lang="pt-BR" dirty="0"/>
+              <a:t>de métodos de interação com o </a:t>
+            </a:r>
+            <a:r>
+              <a:rPr lang="pt-BR" dirty="0" err="1" smtClean="0"/>
+              <a:t>back-end</a:t>
+            </a:r>
+            <a:endParaRPr lang="pt-BR" dirty="0" smtClean="0"/>
+          </a:p>
+          <a:p>
+            <a:pPr lvl="1"/>
+            <a:r>
+              <a:rPr lang="pt-BR" dirty="0"/>
+              <a:t>Implementar métodos de autenticação e validação de </a:t>
+            </a:r>
+            <a:r>
+              <a:rPr lang="pt-BR" dirty="0" smtClean="0"/>
+              <a:t>campos</a:t>
+            </a:r>
+            <a:endParaRPr lang="pt-BR" dirty="0"/>
+          </a:p>
+          <a:p>
+            <a:r>
+              <a:rPr lang="pt-BR" dirty="0"/>
+              <a:t>Teste e </a:t>
+            </a:r>
+            <a:r>
+              <a:rPr lang="pt-BR" dirty="0" smtClean="0"/>
+              <a:t>validação</a:t>
+            </a:r>
+          </a:p>
+          <a:p>
+            <a:pPr lvl="1"/>
+            <a:r>
+              <a:rPr lang="pt-BR" dirty="0"/>
+              <a:t>Inspeção de </a:t>
+            </a:r>
+            <a:r>
+              <a:rPr lang="pt-BR" dirty="0" smtClean="0"/>
+              <a:t>código</a:t>
+            </a:r>
+          </a:p>
+          <a:p>
+            <a:pPr lvl="1"/>
+            <a:r>
+              <a:rPr lang="pt-BR" dirty="0"/>
+              <a:t>Elaboração do plano de </a:t>
+            </a:r>
+            <a:r>
+              <a:rPr lang="pt-BR" dirty="0" smtClean="0"/>
+              <a:t>testes</a:t>
+            </a:r>
+          </a:p>
+          <a:p>
+            <a:pPr lvl="1"/>
+            <a:r>
+              <a:rPr lang="pt-BR" dirty="0"/>
+              <a:t>Realização e documentação dos testes</a:t>
+            </a:r>
             <a:endParaRPr lang="pt-BR" dirty="0"/>
           </a:p>
         </p:txBody>
@@ -14712,7 +14789,7 @@
     </p:spTree>
     <p:extLst>
       <p:ext uri="{BB962C8B-B14F-4D97-AF65-F5344CB8AC3E}">
-        <p14:creationId xmlns:p14="http://schemas.microsoft.com/office/powerpoint/2010/main" val="3764964224"/>
+        <p14:creationId xmlns:p14="http://schemas.microsoft.com/office/powerpoint/2010/main" val="3190729804"/>
       </p:ext>
     </p:extLst>
   </p:cSld>
@@ -16540,7 +16617,6 @@
               <a:rPr lang="pt-BR" dirty="0"/>
               <a:t>PANORAMA ATUAL DO PROJETO</a:t>
             </a:r>
-            <a:endParaRPr lang="pt-BR" dirty="0"/>
           </a:p>
         </p:txBody>
       </p:sp>
@@ -17315,7 +17391,6 @@
               <a:rPr lang="pt-BR" dirty="0"/>
               <a:t>PANORAMA ATUAL DO PROJETO</a:t>
             </a:r>
-            <a:endParaRPr lang="pt-BR" dirty="0"/>
           </a:p>
         </p:txBody>
       </p:sp>
@@ -17697,9 +17772,10 @@
           <a:lstStyle/>
           <a:p>
             <a:r>
-              <a:rPr lang="pt-BR" dirty="0"/>
-              <a:t>TRABALHOS FUTUROS</a:t>
+              <a:rPr lang="pt-BR" dirty="0" smtClean="0"/>
+              <a:t>CRONOGRAMA</a:t>
             </a:r>
+            <a:endParaRPr lang="pt-BR" dirty="0"/>
           </a:p>
         </p:txBody>
       </p:sp>
@@ -17723,76 +17799,9 @@
           <a:bodyPr/>
           <a:lstStyle/>
           <a:p>
-            <a:r>
-              <a:rPr lang="pt-BR" dirty="0" smtClean="0"/>
-              <a:t> </a:t>
-            </a:r>
-            <a:r>
-              <a:rPr lang="pt-BR" dirty="0"/>
-              <a:t>Aperfeiçoamento </a:t>
-            </a:r>
-            <a:r>
-              <a:rPr lang="pt-BR" dirty="0" smtClean="0"/>
-              <a:t>do front-</a:t>
-            </a:r>
-            <a:r>
-              <a:rPr lang="pt-BR" dirty="0" err="1" smtClean="0"/>
-              <a:t>end</a:t>
-            </a:r>
-            <a:endParaRPr lang="pt-BR" dirty="0" smtClean="0"/>
-          </a:p>
-          <a:p>
-            <a:r>
-              <a:rPr lang="pt-BR" dirty="0" smtClean="0"/>
-              <a:t> </a:t>
-            </a:r>
-            <a:r>
-              <a:rPr lang="pt-BR" dirty="0" err="1" smtClean="0"/>
-              <a:t>Refatoração</a:t>
-            </a:r>
-            <a:r>
-              <a:rPr lang="pt-BR" dirty="0" smtClean="0"/>
-              <a:t> dos métodos de interação entre o front-</a:t>
-            </a:r>
-            <a:r>
-              <a:rPr lang="pt-BR" dirty="0" err="1" smtClean="0"/>
-              <a:t>end</a:t>
-            </a:r>
-            <a:r>
-              <a:rPr lang="pt-BR" dirty="0" smtClean="0"/>
-              <a:t> e o </a:t>
-            </a:r>
-            <a:r>
-              <a:rPr lang="pt-BR" dirty="0" err="1" smtClean="0"/>
-              <a:t>back-end</a:t>
-            </a:r>
-            <a:endParaRPr lang="pt-BR" dirty="0" smtClean="0"/>
-          </a:p>
-          <a:p>
-            <a:r>
-              <a:rPr lang="pt-BR" dirty="0" smtClean="0"/>
-              <a:t> Autenticação e validação de campos</a:t>
-            </a:r>
-          </a:p>
-          <a:p>
-            <a:r>
-              <a:rPr lang="pt-BR" dirty="0"/>
-              <a:t> </a:t>
-            </a:r>
-            <a:r>
-              <a:rPr lang="pt-BR" dirty="0" smtClean="0"/>
-              <a:t>Realização de testes</a:t>
-            </a:r>
-          </a:p>
-          <a:p>
-            <a:r>
-              <a:rPr lang="pt-BR" dirty="0"/>
-              <a:t> </a:t>
-            </a:r>
-            <a:r>
-              <a:rPr lang="pt-BR" dirty="0" smtClean="0"/>
-              <a:t>Implementação</a:t>
-            </a:r>
+            <a:pPr marL="140208" indent="0">
+              <a:buNone/>
+            </a:pPr>
             <a:endParaRPr lang="pt-BR" dirty="0"/>
           </a:p>
         </p:txBody>
@@ -17846,7 +17855,7 @@
     </p:spTree>
     <p:extLst>
       <p:ext uri="{BB962C8B-B14F-4D97-AF65-F5344CB8AC3E}">
-        <p14:creationId xmlns:p14="http://schemas.microsoft.com/office/powerpoint/2010/main" val="3190729804"/>
+        <p14:creationId xmlns:p14="http://schemas.microsoft.com/office/powerpoint/2010/main" val="3764964224"/>
       </p:ext>
     </p:extLst>
   </p:cSld>
